--- a/Misc/Android_General.pptx
+++ b/Misc/Android_General.pptx
@@ -25,6 +25,9 @@
   </p:sldIdLst>
   <p:sldSz cx="12192000" cy="6858000"/>
   <p:notesSz cx="6858000" cy="9144000"/>
+  <p:custDataLst>
+    <p:tags r:id="rId19"/>
+  </p:custDataLst>
   <p:defaultTextStyle>
     <a:defPPr marL="0" marR="0" indent="0" algn="l" defTabSz="914400" rtl="0" fontAlgn="auto" latinLnBrk="1" hangingPunct="0">
       <a:lnSpc>
@@ -5370,7 +5373,7 @@
               <a:rPr lang="en-US" altLang="zh-CN" sz="1800">
                 <a:effectLst/>
               </a:rPr>
-              <a:t>-d	# dump log to screen and exit</a:t>
+              <a:t>-d  &gt;C:\tmp\1.log    # dump log to screen and exit</a:t>
             </a:r>
             <a:endParaRPr lang="en-US" altLang="zh-CN" sz="1800">
               <a:effectLst/>
@@ -5419,6 +5422,18 @@
                 <a:effectLst/>
               </a:rPr>
               <a:t>-f /sdcard/logs</a:t>
+            </a:r>
+            <a:endParaRPr lang="en-US" altLang="zh-CN" sz="1800">
+              <a:effectLst/>
+            </a:endParaRPr>
+          </a:p>
+          <a:p>
+            <a:pPr lvl="2"/>
+            <a:r>
+              <a:rPr lang="en-US" altLang="zh-CN" sz="1800">
+                <a:effectLst/>
+              </a:rPr>
+              <a:t>-c	# clear logs</a:t>
             </a:r>
             <a:endParaRPr lang="en-US" altLang="zh-CN" sz="1800">
               <a:effectLst/>
@@ -5858,6 +5873,13 @@
   <p:tag name="KSO_WM_BEAUTIFY_FLAG" val="#wm#"/>
   <p:tag name="KSO_WM_TEMPLATE_CATEGORY" val="custom"/>
   <p:tag name="KSO_WM_TEMPLATE_INDEX" val="160402"/>
+</p:tagLst>
+</file>
+
+<file path=ppt/tags/tag15.xml><?xml version="1.0" encoding="utf-8"?>
+<p:tagLst xmlns:p="http://schemas.openxmlformats.org/presentationml/2006/main">
+  <p:tag name="KSO_WPP_MARK_KEY" val="4565476a-3172-4a08-acd7-da227ddc8079"/>
+  <p:tag name="COMMONDATA" val="eyJoZGlkIjoiODcwZjc5M2RmYzUwOWE5MjVkODVjZGMyZDUwOTRjYmEifQ=="/>
 </p:tagLst>
 </file>
 
